--- a/Presentation_011718.pptx
+++ b/Presentation_011718.pptx
@@ -207,7 +207,7 @@
           <a:p>
             <a:fld id="{24CB1DF8-210F-4686-80CD-1262D695A52E}" type="datetimeFigureOut">
               <a:rPr lang="en-US" smtClean="0"/>
-              <a:t>1/16/2018</a:t>
+              <a:t>1/17/2018</a:t>
             </a:fld>
             <a:endParaRPr lang="en-US"/>
           </a:p>
@@ -529,15 +529,15 @@
             </a:r>
             <a:r>
               <a:rPr lang="en-US" baseline="0" dirty="0" smtClean="0"/>
-              <a:t>size</a:t>
-            </a:r>
+              <a:t>size, bids, targeting segments, product info, serve location</a:t>
+            </a:r>
+            <a:endParaRPr lang="en-US" baseline="0" dirty="0" smtClean="0"/>
           </a:p>
           <a:p>
             <a:r>
               <a:rPr lang="en-US" baseline="0" dirty="0" smtClean="0"/>
               <a:t>Not much cleaning needed </a:t>
             </a:r>
-            <a:endParaRPr lang="en-US" baseline="0" dirty="0" smtClean="0"/>
           </a:p>
           <a:p>
             <a:r>
@@ -883,7 +883,7 @@
           <a:p>
             <a:fld id="{30B8D218-47B3-4DF9-ACF1-F38972AEF49C}" type="datetimeFigureOut">
               <a:rPr lang="en-US" smtClean="0"/>
-              <a:t>1/16/2018</a:t>
+              <a:t>1/17/2018</a:t>
             </a:fld>
             <a:endParaRPr lang="en-US"/>
           </a:p>
@@ -1053,7 +1053,7 @@
           <a:p>
             <a:fld id="{30B8D218-47B3-4DF9-ACF1-F38972AEF49C}" type="datetimeFigureOut">
               <a:rPr lang="en-US" smtClean="0"/>
-              <a:t>1/16/2018</a:t>
+              <a:t>1/17/2018</a:t>
             </a:fld>
             <a:endParaRPr lang="en-US"/>
           </a:p>
@@ -1233,7 +1233,7 @@
           <a:p>
             <a:fld id="{30B8D218-47B3-4DF9-ACF1-F38972AEF49C}" type="datetimeFigureOut">
               <a:rPr lang="en-US" smtClean="0"/>
-              <a:t>1/16/2018</a:t>
+              <a:t>1/17/2018</a:t>
             </a:fld>
             <a:endParaRPr lang="en-US"/>
           </a:p>
@@ -1403,7 +1403,7 @@
           <a:p>
             <a:fld id="{30B8D218-47B3-4DF9-ACF1-F38972AEF49C}" type="datetimeFigureOut">
               <a:rPr lang="en-US" smtClean="0"/>
-              <a:t>1/16/2018</a:t>
+              <a:t>1/17/2018</a:t>
             </a:fld>
             <a:endParaRPr lang="en-US"/>
           </a:p>
@@ -1649,7 +1649,7 @@
           <a:p>
             <a:fld id="{30B8D218-47B3-4DF9-ACF1-F38972AEF49C}" type="datetimeFigureOut">
               <a:rPr lang="en-US" smtClean="0"/>
-              <a:t>1/16/2018</a:t>
+              <a:t>1/17/2018</a:t>
             </a:fld>
             <a:endParaRPr lang="en-US"/>
           </a:p>
@@ -1881,7 +1881,7 @@
           <a:p>
             <a:fld id="{30B8D218-47B3-4DF9-ACF1-F38972AEF49C}" type="datetimeFigureOut">
               <a:rPr lang="en-US" smtClean="0"/>
-              <a:t>1/16/2018</a:t>
+              <a:t>1/17/2018</a:t>
             </a:fld>
             <a:endParaRPr lang="en-US"/>
           </a:p>
@@ -2248,7 +2248,7 @@
           <a:p>
             <a:fld id="{30B8D218-47B3-4DF9-ACF1-F38972AEF49C}" type="datetimeFigureOut">
               <a:rPr lang="en-US" smtClean="0"/>
-              <a:t>1/16/2018</a:t>
+              <a:t>1/17/2018</a:t>
             </a:fld>
             <a:endParaRPr lang="en-US"/>
           </a:p>
@@ -2366,7 +2366,7 @@
           <a:p>
             <a:fld id="{30B8D218-47B3-4DF9-ACF1-F38972AEF49C}" type="datetimeFigureOut">
               <a:rPr lang="en-US" smtClean="0"/>
-              <a:t>1/16/2018</a:t>
+              <a:t>1/17/2018</a:t>
             </a:fld>
             <a:endParaRPr lang="en-US"/>
           </a:p>
@@ -2461,7 +2461,7 @@
           <a:p>
             <a:fld id="{30B8D218-47B3-4DF9-ACF1-F38972AEF49C}" type="datetimeFigureOut">
               <a:rPr lang="en-US" smtClean="0"/>
-              <a:t>1/16/2018</a:t>
+              <a:t>1/17/2018</a:t>
             </a:fld>
             <a:endParaRPr lang="en-US"/>
           </a:p>
@@ -2738,7 +2738,7 @@
           <a:p>
             <a:fld id="{30B8D218-47B3-4DF9-ACF1-F38972AEF49C}" type="datetimeFigureOut">
               <a:rPr lang="en-US" smtClean="0"/>
-              <a:t>1/16/2018</a:t>
+              <a:t>1/17/2018</a:t>
             </a:fld>
             <a:endParaRPr lang="en-US"/>
           </a:p>
@@ -2991,7 +2991,7 @@
           <a:p>
             <a:fld id="{30B8D218-47B3-4DF9-ACF1-F38972AEF49C}" type="datetimeFigureOut">
               <a:rPr lang="en-US" smtClean="0"/>
-              <a:t>1/16/2018</a:t>
+              <a:t>1/17/2018</a:t>
             </a:fld>
             <a:endParaRPr lang="en-US"/>
           </a:p>
@@ -3204,7 +3204,7 @@
           <a:p>
             <a:fld id="{30B8D218-47B3-4DF9-ACF1-F38972AEF49C}" type="datetimeFigureOut">
               <a:rPr lang="en-US" smtClean="0"/>
-              <a:t>1/16/2018</a:t>
+              <a:t>1/17/2018</a:t>
             </a:fld>
             <a:endParaRPr lang="en-US"/>
           </a:p>
@@ -3767,11 +3767,7 @@
             </a:pPr>
             <a:r>
               <a:rPr lang="en-US" dirty="0" smtClean="0"/>
-              <a:t>Campaigns are serving more ads on Desktop, yet there is a higher return on Mobile. </a:t>
-            </a:r>
-            <a:r>
-              <a:rPr lang="en-US" dirty="0" smtClean="0"/>
-              <a:t>Can we maximize the spend on Mobile devices?</a:t>
+              <a:t>Campaigns are serving more ads on Desktop, yet there is a higher return on Mobile. Can we maximize the spend on Mobile devices?</a:t>
             </a:r>
             <a:endParaRPr lang="en-US" dirty="0"/>
           </a:p>
@@ -3866,8 +3862,8 @@
         </p:nvSpPr>
         <p:spPr>
           <a:xfrm>
-            <a:off x="3009900" y="2844799"/>
-            <a:ext cx="7632700" cy="3141663"/>
+            <a:off x="2997200" y="2679699"/>
+            <a:ext cx="7632700" cy="2044701"/>
           </a:xfrm>
         </p:spPr>
         <p:txBody>
@@ -3890,9 +3886,19 @@
             <a:pPr lvl="1"/>
             <a:r>
               <a:rPr lang="en-US" dirty="0" smtClean="0"/>
-              <a:t>Advertiser info</a:t>
+              <a:t>Advertiser </a:t>
+            </a:r>
+            <a:r>
+              <a:rPr lang="en-US" dirty="0" smtClean="0"/>
+              <a:t>info</a:t>
             </a:r>
             <a:endParaRPr lang="en-US" dirty="0"/>
+          </a:p>
+          <a:p>
+            <a:r>
+              <a:rPr lang="en-US" dirty="0" smtClean="0"/>
+              <a:t>Modeling</a:t>
+            </a:r>
           </a:p>
         </p:txBody>
       </p:sp>
@@ -4501,7 +4507,7 @@
         </p:nvSpPr>
         <p:spPr>
           <a:xfrm>
-            <a:off x="1462666" y="1524544"/>
+            <a:off x="1462666" y="1308644"/>
             <a:ext cx="5384180" cy="5210793"/>
           </a:xfrm>
         </p:spPr>
@@ -4513,13 +4519,11 @@
           <a:p>
             <a:r>
               <a:rPr lang="en-US" sz="2400" dirty="0" smtClean="0"/>
-              <a:t>Pulled from advertising data warehouse </a:t>
-            </a:r>
-          </a:p>
-          <a:p>
+              <a:t>16 </a:t>
+            </a:r>
             <a:r>
               <a:rPr lang="en-US" sz="2400" dirty="0" smtClean="0"/>
-              <a:t>16 columns, including:</a:t>
+              <a:t>columns, including:</a:t>
             </a:r>
           </a:p>
           <a:p>
@@ -4546,59 +4550,86 @@
           <a:p>
             <a:pPr lvl="1"/>
             <a:r>
+              <a:rPr lang="en-US" sz="1800" dirty="0"/>
+              <a:t>Campaign</a:t>
+            </a:r>
+          </a:p>
+          <a:p>
+            <a:pPr lvl="2"/>
+            <a:r>
+              <a:rPr lang="en-US" sz="1800" dirty="0"/>
+              <a:t>Start and end dates</a:t>
+            </a:r>
+          </a:p>
+          <a:p>
+            <a:pPr lvl="2"/>
+            <a:r>
+              <a:rPr lang="en-US" sz="1800" dirty="0"/>
+              <a:t>Device type (Desktop, Mobile web, Mobile App)</a:t>
+            </a:r>
+          </a:p>
+          <a:p>
+            <a:pPr lvl="2"/>
+            <a:r>
+              <a:rPr lang="en-US" sz="1800" dirty="0"/>
+              <a:t>Performance optimization type (e.g. Purchases, Clicks, Views)</a:t>
+            </a:r>
+          </a:p>
+          <a:p>
+            <a:pPr lvl="2"/>
+            <a:r>
+              <a:rPr lang="en-US" sz="1800" dirty="0"/>
+              <a:t>Spend</a:t>
+            </a:r>
+          </a:p>
+          <a:p>
+            <a:pPr lvl="2"/>
+            <a:r>
+              <a:rPr lang="en-US" sz="1800" dirty="0"/>
+              <a:t>Impressions</a:t>
+            </a:r>
+          </a:p>
+          <a:p>
+            <a:pPr lvl="2"/>
+            <a:r>
+              <a:rPr lang="en-US" sz="1800" dirty="0"/>
+              <a:t>Clicks</a:t>
+            </a:r>
+          </a:p>
+          <a:p>
+            <a:pPr lvl="2"/>
+            <a:r>
+              <a:rPr lang="en-US" sz="1800" dirty="0"/>
+              <a:t>Detail page views </a:t>
+            </a:r>
+          </a:p>
+          <a:p>
+            <a:pPr lvl="2"/>
+            <a:r>
+              <a:rPr lang="en-US" sz="1800" dirty="0"/>
+              <a:t>Units sold</a:t>
+            </a:r>
+          </a:p>
+          <a:p>
+            <a:pPr lvl="2"/>
+            <a:r>
+              <a:rPr lang="en-US" sz="1800" dirty="0"/>
+              <a:t>Total </a:t>
+            </a:r>
+            <a:r>
               <a:rPr lang="en-US" sz="1800" dirty="0" smtClean="0"/>
-              <a:t>Product </a:t>
-            </a:r>
-          </a:p>
-          <a:p>
-            <a:pPr lvl="2"/>
-            <a:r>
-              <a:rPr lang="en-US" sz="1800" dirty="0" smtClean="0"/>
-              <a:t>Rating</a:t>
-            </a:r>
-          </a:p>
-          <a:p>
-            <a:pPr lvl="2"/>
-            <a:r>
-              <a:rPr lang="en-US" sz="1800" dirty="0" smtClean="0"/>
-              <a:t>Price</a:t>
-            </a:r>
-          </a:p>
-          <a:p>
-            <a:pPr lvl="2"/>
-            <a:r>
-              <a:rPr lang="en-US" sz="1800" dirty="0" smtClean="0"/>
-              <a:t>Number of </a:t>
-            </a:r>
-            <a:r>
-              <a:rPr lang="en-US" sz="1800" dirty="0" smtClean="0"/>
-              <a:t>reviews</a:t>
-            </a:r>
-          </a:p>
-          <a:p>
-            <a:pPr lvl="2"/>
-            <a:r>
-              <a:rPr lang="en-US" sz="1800" dirty="0" smtClean="0"/>
-              <a:t>Category</a:t>
-            </a:r>
-            <a:endParaRPr lang="en-US" sz="1800" dirty="0"/>
-          </a:p>
-          <a:p>
-            <a:endParaRPr lang="en-US" sz="2000" dirty="0" smtClean="0"/>
-          </a:p>
-          <a:p>
-            <a:endParaRPr lang="en-US" sz="2000" dirty="0"/>
-          </a:p>
-          <a:p>
-            <a:pPr marL="0" indent="0">
-              <a:buNone/>
-            </a:pPr>
-            <a:endParaRPr lang="en-US" sz="1050" dirty="0"/>
+              <a:t>sales</a:t>
+            </a:r>
+            <a:endParaRPr lang="en-US" sz="1200" dirty="0"/>
           </a:p>
           <a:p>
             <a:r>
               <a:rPr lang="en-US" sz="2400" dirty="0" smtClean="0"/>
-              <a:t>26,170 rows (2525 include nulls, 9%)</a:t>
+              <a:t>26,170 </a:t>
+            </a:r>
+            <a:r>
+              <a:rPr lang="en-US" sz="2400" dirty="0" smtClean="0"/>
+              <a:t>rows (2525 include nulls, 9%)</a:t>
             </a:r>
             <a:endParaRPr lang="en-US" sz="2400" dirty="0"/>
           </a:p>
@@ -4795,75 +4826,124 @@
             </a:pPr>
             <a:endParaRPr lang="en-US" sz="1800" dirty="0" smtClean="0"/>
           </a:p>
-          <a:p>
-            <a:pPr lvl="1"/>
-            <a:r>
-              <a:rPr lang="en-US" sz="1800" dirty="0" smtClean="0"/>
+        </p:txBody>
+      </p:sp>
+      <p:sp>
+        <p:nvSpPr>
+          <p:cNvPr id="5" name="Rectangle 4"/>
+          <p:cNvSpPr/>
+          <p:nvPr/>
+        </p:nvSpPr>
+        <p:spPr>
+          <a:xfrm>
+            <a:off x="8064500" y="1887853"/>
+            <a:ext cx="3048000" cy="2923877"/>
+          </a:xfrm>
+          <a:prstGeom prst="rect">
+            <a:avLst/>
+          </a:prstGeom>
+        </p:spPr>
+        <p:txBody>
+          <a:bodyPr wrap="square">
+            <a:spAutoFit/>
+          </a:bodyPr>
+          <a:lstStyle/>
+          <a:p>
+            <a:r>
+              <a:rPr lang="en-US" sz="2800" b="1" dirty="0" smtClean="0"/>
+              <a:t>Still Need:</a:t>
+            </a:r>
+          </a:p>
+          <a:p>
+            <a:pPr marL="285750" indent="-285750">
+              <a:buFont typeface="Arial" panose="020B0604020202020204" pitchFamily="34" charset="0"/>
+              <a:buChar char="•"/>
+            </a:pPr>
+            <a:r>
+              <a:rPr lang="en-US" sz="2400" dirty="0" smtClean="0"/>
+              <a:t>Product </a:t>
+            </a:r>
+            <a:endParaRPr lang="en-US" dirty="0" smtClean="0"/>
+          </a:p>
+          <a:p>
+            <a:pPr marL="742950" lvl="1" indent="-285750">
+              <a:buFont typeface="Arial" panose="020B0604020202020204" pitchFamily="34" charset="0"/>
+              <a:buChar char="•"/>
+            </a:pPr>
+            <a:r>
+              <a:rPr lang="en-US" dirty="0" smtClean="0"/>
+              <a:t>Rating</a:t>
+            </a:r>
+          </a:p>
+          <a:p>
+            <a:pPr marL="742950" lvl="1" indent="-285750">
+              <a:buFont typeface="Arial" panose="020B0604020202020204" pitchFamily="34" charset="0"/>
+              <a:buChar char="•"/>
+            </a:pPr>
+            <a:r>
+              <a:rPr lang="en-US" dirty="0" smtClean="0"/>
+              <a:t>Price</a:t>
+            </a:r>
+          </a:p>
+          <a:p>
+            <a:pPr marL="742950" lvl="1" indent="-285750">
+              <a:buFont typeface="Arial" panose="020B0604020202020204" pitchFamily="34" charset="0"/>
+              <a:buChar char="•"/>
+            </a:pPr>
+            <a:r>
+              <a:rPr lang="en-US" dirty="0" smtClean="0"/>
+              <a:t>Number </a:t>
+            </a:r>
+            <a:r>
+              <a:rPr lang="en-US" dirty="0"/>
+              <a:t>of </a:t>
+            </a:r>
+            <a:r>
+              <a:rPr lang="en-US" dirty="0" smtClean="0"/>
+              <a:t>reviews</a:t>
+            </a:r>
+          </a:p>
+          <a:p>
+            <a:pPr marL="742950" lvl="1" indent="-285750">
+              <a:buFont typeface="Arial" panose="020B0604020202020204" pitchFamily="34" charset="0"/>
+              <a:buChar char="•"/>
+            </a:pPr>
+            <a:r>
+              <a:rPr lang="en-US" dirty="0" smtClean="0"/>
+              <a:t>Category</a:t>
+            </a:r>
+          </a:p>
+          <a:p>
+            <a:pPr marL="285750" indent="-285750">
+              <a:buFont typeface="Arial" panose="020B0604020202020204" pitchFamily="34" charset="0"/>
+              <a:buChar char="•"/>
+            </a:pPr>
+            <a:r>
+              <a:rPr lang="en-US" sz="2400" dirty="0" smtClean="0"/>
               <a:t>Campaign</a:t>
             </a:r>
-          </a:p>
-          <a:p>
-            <a:pPr lvl="2"/>
-            <a:r>
-              <a:rPr lang="en-US" sz="1800" dirty="0" smtClean="0"/>
-              <a:t>Start and end dates</a:t>
-            </a:r>
-          </a:p>
-          <a:p>
-            <a:pPr lvl="2"/>
-            <a:r>
-              <a:rPr lang="en-US" sz="1800" dirty="0" smtClean="0"/>
-              <a:t>Device type (Desktop, Mobile web, Mobile App)</a:t>
-            </a:r>
-          </a:p>
-          <a:p>
-            <a:pPr lvl="2"/>
-            <a:r>
-              <a:rPr lang="en-US" sz="1800" dirty="0" smtClean="0"/>
-              <a:t>Performance optimization type (e.g. Purchases, Clicks, Views)</a:t>
-            </a:r>
-          </a:p>
-          <a:p>
-            <a:pPr lvl="2"/>
-            <a:r>
-              <a:rPr lang="en-US" sz="1800" dirty="0" smtClean="0"/>
-              <a:t>Spend</a:t>
-            </a:r>
-          </a:p>
-          <a:p>
-            <a:pPr lvl="2"/>
-            <a:r>
-              <a:rPr lang="en-US" sz="1800" dirty="0" smtClean="0"/>
-              <a:t>Impressions</a:t>
-            </a:r>
-          </a:p>
-          <a:p>
-            <a:pPr lvl="2"/>
-            <a:r>
-              <a:rPr lang="en-US" sz="1800" dirty="0" smtClean="0"/>
-              <a:t>Clicks</a:t>
-            </a:r>
-          </a:p>
-          <a:p>
-            <a:pPr lvl="2"/>
-            <a:r>
-              <a:rPr lang="en-US" sz="1800" dirty="0" smtClean="0"/>
-              <a:t>Detail page views </a:t>
-            </a:r>
-          </a:p>
-          <a:p>
-            <a:pPr lvl="2"/>
-            <a:r>
-              <a:rPr lang="en-US" sz="1800" dirty="0" smtClean="0"/>
-              <a:t>Units sold</a:t>
-            </a:r>
-          </a:p>
-          <a:p>
-            <a:pPr lvl="2"/>
-            <a:r>
-              <a:rPr lang="en-US" sz="1800" dirty="0" smtClean="0"/>
-              <a:t>Total sales</a:t>
-            </a:r>
+            <a:endParaRPr lang="en-US" dirty="0" smtClean="0"/>
+          </a:p>
+          <a:p>
+            <a:pPr marL="742950" lvl="1" indent="-285750">
+              <a:buFont typeface="Arial" panose="020B0604020202020204" pitchFamily="34" charset="0"/>
+              <a:buChar char="•"/>
+            </a:pPr>
+            <a:r>
+              <a:rPr lang="en-US" dirty="0" smtClean="0"/>
+              <a:t>Bid rates</a:t>
+            </a:r>
+          </a:p>
+          <a:p>
+            <a:pPr marL="742950" lvl="1" indent="-285750">
+              <a:buFont typeface="Arial" panose="020B0604020202020204" pitchFamily="34" charset="0"/>
+              <a:buChar char="•"/>
+            </a:pPr>
+            <a:r>
+              <a:rPr lang="en-US" dirty="0" smtClean="0"/>
+              <a:t>Targeting </a:t>
+            </a:r>
+            <a:endParaRPr lang="en-US" dirty="0"/>
           </a:p>
         </p:txBody>
       </p:sp>
@@ -4947,11 +5027,7 @@
             </a:pPr>
             <a:r>
               <a:rPr lang="en-US" dirty="0" smtClean="0"/>
-              <a:t>ROAS and spend have been increasing over </a:t>
-            </a:r>
-            <a:r>
-              <a:rPr lang="en-US" dirty="0" smtClean="0"/>
-              <a:t>time</a:t>
+              <a:t>ROAS and spend have been increasing over time</a:t>
             </a:r>
             <a:endParaRPr lang="en-US" dirty="0"/>
           </a:p>

--- a/Presentation_011718.pptx
+++ b/Presentation_011718.pptx
@@ -5,7 +5,7 @@
     <p:sldMasterId id="2147483648" r:id="rId1"/>
   </p:sldMasterIdLst>
   <p:notesMasterIdLst>
-    <p:notesMasterId r:id="rId13"/>
+    <p:notesMasterId r:id="rId12"/>
   </p:notesMasterIdLst>
   <p:sldIdLst>
     <p:sldId id="256" r:id="rId2"/>
@@ -13,12 +13,11 @@
     <p:sldId id="259" r:id="rId4"/>
     <p:sldId id="261" r:id="rId5"/>
     <p:sldId id="262" r:id="rId6"/>
-    <p:sldId id="263" r:id="rId7"/>
-    <p:sldId id="257" r:id="rId8"/>
-    <p:sldId id="260" r:id="rId9"/>
-    <p:sldId id="264" r:id="rId10"/>
-    <p:sldId id="265" r:id="rId11"/>
-    <p:sldId id="266" r:id="rId12"/>
+    <p:sldId id="257" r:id="rId7"/>
+    <p:sldId id="260" r:id="rId8"/>
+    <p:sldId id="264" r:id="rId9"/>
+    <p:sldId id="265" r:id="rId10"/>
+    <p:sldId id="266" r:id="rId11"/>
   </p:sldIdLst>
   <p:sldSz cx="12192000" cy="6858000"/>
   <p:notesSz cx="6858000" cy="9144000"/>
@@ -525,13 +524,8 @@
             </a:r>
             <a:r>
               <a:rPr lang="en-US" baseline="0" dirty="0" smtClean="0"/>
-              <a:t> gather advertiser brand </a:t>
-            </a:r>
-            <a:r>
-              <a:rPr lang="en-US" baseline="0" dirty="0" smtClean="0"/>
-              <a:t>size, bids, targeting segments, product info, serve location</a:t>
-            </a:r>
-            <a:endParaRPr lang="en-US" baseline="0" dirty="0" smtClean="0"/>
+              <a:t> gather advertiser brand size, bids, targeting segments, product info, serve location</a:t>
+            </a:r>
           </a:p>
           <a:p>
             <a:r>
@@ -565,7 +559,7 @@
           <a:p>
             <a:fld id="{8F5B190B-A5F3-4D6C-AD2F-D83E2F05F109}" type="slidenum">
               <a:rPr lang="en-US" smtClean="0"/>
-              <a:t>7</a:t>
+              <a:t>6</a:t>
             </a:fld>
             <a:endParaRPr lang="en-US"/>
           </a:p>
@@ -649,7 +643,7 @@
           <a:p>
             <a:fld id="{8F5B190B-A5F3-4D6C-AD2F-D83E2F05F109}" type="slidenum">
               <a:rPr lang="en-US" smtClean="0"/>
-              <a:t>9</a:t>
+              <a:t>8</a:t>
             </a:fld>
             <a:endParaRPr lang="en-US"/>
           </a:p>
@@ -733,7 +727,7 @@
           <a:p>
             <a:fld id="{8F5B190B-A5F3-4D6C-AD2F-D83E2F05F109}" type="slidenum">
               <a:rPr lang="en-US" smtClean="0"/>
-              <a:t>10</a:t>
+              <a:t>9</a:t>
             </a:fld>
             <a:endParaRPr lang="en-US"/>
           </a:p>
@@ -3734,116 +3728,6 @@
           <a:p>
             <a:r>
               <a:rPr lang="en-US" dirty="0" smtClean="0"/>
-              <a:t>Insights</a:t>
-            </a:r>
-            <a:endParaRPr lang="en-US" dirty="0"/>
-          </a:p>
-        </p:txBody>
-      </p:sp>
-      <p:sp>
-        <p:nvSpPr>
-          <p:cNvPr id="3" name="Content Placeholder 2"/>
-          <p:cNvSpPr>
-            <a:spLocks noGrp="1"/>
-          </p:cNvSpPr>
-          <p:nvPr>
-            <p:ph idx="1"/>
-          </p:nvPr>
-        </p:nvSpPr>
-        <p:spPr>
-          <a:xfrm>
-            <a:off x="946150" y="2443076"/>
-            <a:ext cx="3600450" cy="3614824"/>
-          </a:xfrm>
-        </p:spPr>
-        <p:txBody>
-          <a:bodyPr>
-            <a:normAutofit/>
-          </a:bodyPr>
-          <a:lstStyle/>
-          <a:p>
-            <a:pPr marL="0" indent="0" algn="ctr">
-              <a:buNone/>
-            </a:pPr>
-            <a:r>
-              <a:rPr lang="en-US" dirty="0" smtClean="0"/>
-              <a:t>Campaigns are serving more ads on Desktop, yet there is a higher return on Mobile. Can we maximize the spend on Mobile devices?</a:t>
-            </a:r>
-            <a:endParaRPr lang="en-US" dirty="0"/>
-          </a:p>
-        </p:txBody>
-      </p:sp>
-      <p:pic>
-        <p:nvPicPr>
-          <p:cNvPr id="4" name="Picture 3"/>
-          <p:cNvPicPr>
-            <a:picLocks noChangeAspect="1"/>
-          </p:cNvPicPr>
-          <p:nvPr/>
-        </p:nvPicPr>
-        <p:blipFill>
-          <a:blip r:embed="rId3"/>
-          <a:stretch>
-            <a:fillRect/>
-          </a:stretch>
-        </p:blipFill>
-        <p:spPr>
-          <a:xfrm>
-            <a:off x="5419725" y="592137"/>
-            <a:ext cx="5934075" cy="5800725"/>
-          </a:xfrm>
-          <a:prstGeom prst="rect">
-            <a:avLst/>
-          </a:prstGeom>
-        </p:spPr>
-      </p:pic>
-    </p:spTree>
-    <p:extLst>
-      <p:ext uri="{BB962C8B-B14F-4D97-AF65-F5344CB8AC3E}">
-        <p14:creationId xmlns:p14="http://schemas.microsoft.com/office/powerpoint/2010/main" val="3983251646"/>
-      </p:ext>
-    </p:extLst>
-  </p:cSld>
-  <p:clrMapOvr>
-    <a:masterClrMapping/>
-  </p:clrMapOvr>
-</p:sld>
-</file>
-
-<file path=ppt/slides/slide11.xml><?xml version="1.0" encoding="utf-8"?>
-<p:sld xmlns:a="http://schemas.openxmlformats.org/drawingml/2006/main" xmlns:r="http://schemas.openxmlformats.org/officeDocument/2006/relationships" xmlns:p="http://schemas.openxmlformats.org/presentationml/2006/main">
-  <p:cSld>
-    <p:spTree>
-      <p:nvGrpSpPr>
-        <p:cNvPr id="1" name=""/>
-        <p:cNvGrpSpPr/>
-        <p:nvPr/>
-      </p:nvGrpSpPr>
-      <p:grpSpPr>
-        <a:xfrm>
-          <a:off x="0" y="0"/>
-          <a:ext cx="0" cy="0"/>
-          <a:chOff x="0" y="0"/>
-          <a:chExt cx="0" cy="0"/>
-        </a:xfrm>
-      </p:grpSpPr>
-      <p:sp>
-        <p:nvSpPr>
-          <p:cNvPr id="2" name="Title 1"/>
-          <p:cNvSpPr>
-            <a:spLocks noGrp="1"/>
-          </p:cNvSpPr>
-          <p:nvPr>
-            <p:ph type="title"/>
-          </p:nvPr>
-        </p:nvSpPr>
-        <p:spPr/>
-        <p:txBody>
-          <a:bodyPr/>
-          <a:lstStyle/>
-          <a:p>
-            <a:r>
-              <a:rPr lang="en-US" dirty="0" smtClean="0"/>
               <a:t>Next Steps</a:t>
             </a:r>
             <a:endParaRPr lang="en-US" dirty="0"/>
@@ -3886,11 +3770,7 @@
             <a:pPr lvl="1"/>
             <a:r>
               <a:rPr lang="en-US" dirty="0" smtClean="0"/>
-              <a:t>Advertiser </a:t>
-            </a:r>
-            <a:r>
-              <a:rPr lang="en-US" dirty="0" smtClean="0"/>
-              <a:t>info</a:t>
+              <a:t>Advertiser info</a:t>
             </a:r>
             <a:endParaRPr lang="en-US" dirty="0"/>
           </a:p>
@@ -4386,108 +4266,6 @@
           <a:lstStyle/>
           <a:p>
             <a:r>
-              <a:rPr lang="en-US" dirty="0" smtClean="0"/>
-              <a:t>Amazon Ad Platform</a:t>
-            </a:r>
-            <a:endParaRPr lang="en-US" dirty="0"/>
-          </a:p>
-        </p:txBody>
-      </p:sp>
-      <p:sp>
-        <p:nvSpPr>
-          <p:cNvPr id="7" name="TextBox 6"/>
-          <p:cNvSpPr txBox="1"/>
-          <p:nvPr/>
-        </p:nvSpPr>
-        <p:spPr>
-          <a:xfrm>
-            <a:off x="2324229" y="2606373"/>
-            <a:ext cx="7544166" cy="2862322"/>
-          </a:xfrm>
-          <a:prstGeom prst="rect">
-            <a:avLst/>
-          </a:prstGeom>
-          <a:noFill/>
-        </p:spPr>
-        <p:txBody>
-          <a:bodyPr wrap="square" rtlCol="0">
-            <a:spAutoFit/>
-          </a:bodyPr>
-          <a:lstStyle/>
-          <a:p>
-            <a:pPr algn="ctr"/>
-            <a:r>
-              <a:rPr lang="en-US" sz="3000" dirty="0" smtClean="0"/>
-              <a:t>Process is encompassed by a campaign paid for by the advertiser.</a:t>
-            </a:r>
-          </a:p>
-          <a:p>
-            <a:endParaRPr lang="en-US" sz="3000" dirty="0" smtClean="0"/>
-          </a:p>
-          <a:p>
-            <a:pPr algn="ctr"/>
-            <a:r>
-              <a:rPr lang="en-US" sz="3000" dirty="0" smtClean="0"/>
-              <a:t>E.g. during Super Bowl, </a:t>
-            </a:r>
-            <a:r>
-              <a:rPr lang="en-US" sz="3000" dirty="0" err="1" smtClean="0"/>
-              <a:t>DiGiorno</a:t>
-            </a:r>
-            <a:r>
-              <a:rPr lang="en-US" sz="3000" dirty="0" smtClean="0"/>
-              <a:t> may run a football-related ad campaign before and up to the game.</a:t>
-            </a:r>
-            <a:endParaRPr lang="en-US" sz="3000" dirty="0"/>
-          </a:p>
-        </p:txBody>
-      </p:sp>
-    </p:spTree>
-    <p:extLst>
-      <p:ext uri="{BB962C8B-B14F-4D97-AF65-F5344CB8AC3E}">
-        <p14:creationId xmlns:p14="http://schemas.microsoft.com/office/powerpoint/2010/main" val="4017922337"/>
-      </p:ext>
-    </p:extLst>
-  </p:cSld>
-  <p:clrMapOvr>
-    <a:masterClrMapping/>
-  </p:clrMapOvr>
-</p:sld>
-</file>
-
-<file path=ppt/slides/slide7.xml><?xml version="1.0" encoding="utf-8"?>
-<p:sld xmlns:a="http://schemas.openxmlformats.org/drawingml/2006/main" xmlns:r="http://schemas.openxmlformats.org/officeDocument/2006/relationships" xmlns:p="http://schemas.openxmlformats.org/presentationml/2006/main">
-  <p:cSld>
-    <p:spTree>
-      <p:nvGrpSpPr>
-        <p:cNvPr id="1" name=""/>
-        <p:cNvGrpSpPr/>
-        <p:nvPr/>
-      </p:nvGrpSpPr>
-      <p:grpSpPr>
-        <a:xfrm>
-          <a:off x="0" y="0"/>
-          <a:ext cx="0" cy="0"/>
-          <a:chOff x="0" y="0"/>
-          <a:chExt cx="0" cy="0"/>
-        </a:xfrm>
-      </p:grpSpPr>
-      <p:sp>
-        <p:nvSpPr>
-          <p:cNvPr id="2" name="Title 1"/>
-          <p:cNvSpPr>
-            <a:spLocks noGrp="1"/>
-          </p:cNvSpPr>
-          <p:nvPr>
-            <p:ph type="title"/>
-          </p:nvPr>
-        </p:nvSpPr>
-        <p:spPr/>
-        <p:txBody>
-          <a:bodyPr/>
-          <a:lstStyle/>
-          <a:p>
-            <a:r>
               <a:rPr lang="en-US" b="1" dirty="0" smtClean="0"/>
               <a:t>Data</a:t>
             </a:r>
@@ -4519,11 +4297,7 @@
           <a:p>
             <a:r>
               <a:rPr lang="en-US" sz="2400" dirty="0" smtClean="0"/>
-              <a:t>16 </a:t>
-            </a:r>
-            <a:r>
-              <a:rPr lang="en-US" sz="2400" dirty="0" smtClean="0"/>
-              <a:t>columns, including:</a:t>
+              <a:t>16 columns, including:</a:t>
             </a:r>
           </a:p>
           <a:p>
@@ -4625,11 +4399,7 @@
           <a:p>
             <a:r>
               <a:rPr lang="en-US" sz="2400" dirty="0" smtClean="0"/>
-              <a:t>26,170 </a:t>
-            </a:r>
-            <a:r>
-              <a:rPr lang="en-US" sz="2400" dirty="0" smtClean="0"/>
-              <a:t>rows (2525 include nulls, 9%)</a:t>
+              <a:t>26,170 rows (2525 include nulls, 9%)</a:t>
             </a:r>
             <a:endParaRPr lang="en-US" sz="2400" dirty="0"/>
           </a:p>
@@ -4960,7 +4730,7 @@
 </p:sld>
 </file>
 
-<file path=ppt/slides/slide8.xml><?xml version="1.0" encoding="utf-8"?>
+<file path=ppt/slides/slide7.xml><?xml version="1.0" encoding="utf-8"?>
 <p:sld xmlns:a="http://schemas.openxmlformats.org/drawingml/2006/main" xmlns:r="http://schemas.openxmlformats.org/officeDocument/2006/relationships" xmlns:p="http://schemas.openxmlformats.org/presentationml/2006/main">
   <p:cSld>
     <p:spTree>
@@ -5070,7 +4840,7 @@
 </p:sld>
 </file>
 
-<file path=ppt/slides/slide9.xml><?xml version="1.0" encoding="utf-8"?>
+<file path=ppt/slides/slide8.xml><?xml version="1.0" encoding="utf-8"?>
 <p:sld xmlns:a="http://schemas.openxmlformats.org/drawingml/2006/main" xmlns:r="http://schemas.openxmlformats.org/officeDocument/2006/relationships" xmlns:p="http://schemas.openxmlformats.org/presentationml/2006/main">
   <p:cSld>
     <p:spTree>
@@ -5171,6 +4941,116 @@
     <p:extLst>
       <p:ext uri="{BB962C8B-B14F-4D97-AF65-F5344CB8AC3E}">
         <p14:creationId xmlns:p14="http://schemas.microsoft.com/office/powerpoint/2010/main" val="3817962212"/>
+      </p:ext>
+    </p:extLst>
+  </p:cSld>
+  <p:clrMapOvr>
+    <a:masterClrMapping/>
+  </p:clrMapOvr>
+</p:sld>
+</file>
+
+<file path=ppt/slides/slide9.xml><?xml version="1.0" encoding="utf-8"?>
+<p:sld xmlns:a="http://schemas.openxmlformats.org/drawingml/2006/main" xmlns:r="http://schemas.openxmlformats.org/officeDocument/2006/relationships" xmlns:p="http://schemas.openxmlformats.org/presentationml/2006/main">
+  <p:cSld>
+    <p:spTree>
+      <p:nvGrpSpPr>
+        <p:cNvPr id="1" name=""/>
+        <p:cNvGrpSpPr/>
+        <p:nvPr/>
+      </p:nvGrpSpPr>
+      <p:grpSpPr>
+        <a:xfrm>
+          <a:off x="0" y="0"/>
+          <a:ext cx="0" cy="0"/>
+          <a:chOff x="0" y="0"/>
+          <a:chExt cx="0" cy="0"/>
+        </a:xfrm>
+      </p:grpSpPr>
+      <p:sp>
+        <p:nvSpPr>
+          <p:cNvPr id="2" name="Title 1"/>
+          <p:cNvSpPr>
+            <a:spLocks noGrp="1"/>
+          </p:cNvSpPr>
+          <p:nvPr>
+            <p:ph type="title"/>
+          </p:nvPr>
+        </p:nvSpPr>
+        <p:spPr/>
+        <p:txBody>
+          <a:bodyPr/>
+          <a:lstStyle/>
+          <a:p>
+            <a:r>
+              <a:rPr lang="en-US" dirty="0" smtClean="0"/>
+              <a:t>Insights</a:t>
+            </a:r>
+            <a:endParaRPr lang="en-US" dirty="0"/>
+          </a:p>
+        </p:txBody>
+      </p:sp>
+      <p:sp>
+        <p:nvSpPr>
+          <p:cNvPr id="3" name="Content Placeholder 2"/>
+          <p:cNvSpPr>
+            <a:spLocks noGrp="1"/>
+          </p:cNvSpPr>
+          <p:nvPr>
+            <p:ph idx="1"/>
+          </p:nvPr>
+        </p:nvSpPr>
+        <p:spPr>
+          <a:xfrm>
+            <a:off x="946150" y="2443076"/>
+            <a:ext cx="3600450" cy="3614824"/>
+          </a:xfrm>
+        </p:spPr>
+        <p:txBody>
+          <a:bodyPr>
+            <a:normAutofit/>
+          </a:bodyPr>
+          <a:lstStyle/>
+          <a:p>
+            <a:pPr marL="0" indent="0" algn="ctr">
+              <a:buNone/>
+            </a:pPr>
+            <a:r>
+              <a:rPr lang="en-US" dirty="0" smtClean="0"/>
+              <a:t>Campaigns are serving more ads on Desktop, yet there is a higher return on Mobile. Can we maximize the spend on Mobile devices?</a:t>
+            </a:r>
+            <a:endParaRPr lang="en-US" dirty="0"/>
+          </a:p>
+        </p:txBody>
+      </p:sp>
+      <p:pic>
+        <p:nvPicPr>
+          <p:cNvPr id="4" name="Picture 3"/>
+          <p:cNvPicPr>
+            <a:picLocks noChangeAspect="1"/>
+          </p:cNvPicPr>
+          <p:nvPr/>
+        </p:nvPicPr>
+        <p:blipFill>
+          <a:blip r:embed="rId3"/>
+          <a:stretch>
+            <a:fillRect/>
+          </a:stretch>
+        </p:blipFill>
+        <p:spPr>
+          <a:xfrm>
+            <a:off x="5419725" y="592137"/>
+            <a:ext cx="5934075" cy="5800725"/>
+          </a:xfrm>
+          <a:prstGeom prst="rect">
+            <a:avLst/>
+          </a:prstGeom>
+        </p:spPr>
+      </p:pic>
+    </p:spTree>
+    <p:extLst>
+      <p:ext uri="{BB962C8B-B14F-4D97-AF65-F5344CB8AC3E}">
+        <p14:creationId xmlns:p14="http://schemas.microsoft.com/office/powerpoint/2010/main" val="3983251646"/>
       </p:ext>
     </p:extLst>
   </p:cSld>
